--- a/ppt 16-9/1281.圣诞快乐.pptx
+++ b/ppt 16-9/1281.圣诞快乐.pptx
@@ -129,7 +129,7 @@
           <p:cNvPr id="2" name="标题 1">
             <a:extLst>
               <a:ext uri="{FF2B5EF4-FFF2-40B4-BE49-F238E27FC236}">
-                <a16:creationId xmlns:a16="http://schemas.microsoft.com/office/drawing/2014/main" id="{2C33FC9E-F22B-43DD-CF01-BA28E46AC0B8}"/>
+                <a16:creationId xmlns:a16="http://schemas.microsoft.com/office/drawing/2014/main" id="{99734944-F32B-7D44-7348-D8273B79A18C}"/>
               </a:ext>
             </a:extLst>
           </p:cNvPr>
@@ -166,7 +166,7 @@
           <p:cNvPr id="3" name="副标题 2">
             <a:extLst>
               <a:ext uri="{FF2B5EF4-FFF2-40B4-BE49-F238E27FC236}">
-                <a16:creationId xmlns:a16="http://schemas.microsoft.com/office/drawing/2014/main" id="{54C29E34-5EA9-CD1E-2033-DBFC135C44A2}"/>
+                <a16:creationId xmlns:a16="http://schemas.microsoft.com/office/drawing/2014/main" id="{FB4A47B8-718A-1446-BF05-B87673172B5F}"/>
               </a:ext>
             </a:extLst>
           </p:cNvPr>
@@ -236,7 +236,7 @@
           <p:cNvPr id="4" name="日期占位符 3">
             <a:extLst>
               <a:ext uri="{FF2B5EF4-FFF2-40B4-BE49-F238E27FC236}">
-                <a16:creationId xmlns:a16="http://schemas.microsoft.com/office/drawing/2014/main" id="{AB05F249-889C-C075-B5BF-99FF5F240488}"/>
+                <a16:creationId xmlns:a16="http://schemas.microsoft.com/office/drawing/2014/main" id="{ADD5DEE2-C0F6-CF6F-7F51-FB31669342BB}"/>
               </a:ext>
             </a:extLst>
           </p:cNvPr>
@@ -252,7 +252,7 @@
           <a:bodyPr/>
           <a:lstStyle/>
           <a:p>
-            <a:fld id="{A9244472-95C8-4F95-B046-DCE989FD891B}" type="datetimeFigureOut">
+            <a:fld id="{D6FF1504-FC39-4EE2-AADC-B547CCDA0A15}" type="datetimeFigureOut">
               <a:rPr lang="zh-CN" altLang="en-US" smtClean="0"/>
               <a:t>2024/3/10</a:t>
             </a:fld>
@@ -265,7 +265,7 @@
           <p:cNvPr id="5" name="页脚占位符 4">
             <a:extLst>
               <a:ext uri="{FF2B5EF4-FFF2-40B4-BE49-F238E27FC236}">
-                <a16:creationId xmlns:a16="http://schemas.microsoft.com/office/drawing/2014/main" id="{963B87B7-CAB8-4609-C73E-EE40621C47FA}"/>
+                <a16:creationId xmlns:a16="http://schemas.microsoft.com/office/drawing/2014/main" id="{888094C9-94D7-29E3-9CFA-1B7FF88EF0EF}"/>
               </a:ext>
             </a:extLst>
           </p:cNvPr>
@@ -290,7 +290,7 @@
           <p:cNvPr id="6" name="灯片编号占位符 5">
             <a:extLst>
               <a:ext uri="{FF2B5EF4-FFF2-40B4-BE49-F238E27FC236}">
-                <a16:creationId xmlns:a16="http://schemas.microsoft.com/office/drawing/2014/main" id="{ED63F4DF-2BD8-219A-89E9-BBD7B02CFC47}"/>
+                <a16:creationId xmlns:a16="http://schemas.microsoft.com/office/drawing/2014/main" id="{49E2B845-87D0-976B-8CC8-68515A8AFB8D}"/>
               </a:ext>
             </a:extLst>
           </p:cNvPr>
@@ -306,7 +306,7 @@
           <a:bodyPr/>
           <a:lstStyle/>
           <a:p>
-            <a:fld id="{399213FC-A373-466B-AB63-56DBFE17B56E}" type="slidenum">
+            <a:fld id="{C5DAA299-E7A9-4EA6-86D4-4BB2D96E8A49}" type="slidenum">
               <a:rPr lang="zh-CN" altLang="en-US" smtClean="0"/>
               <a:t>‹#›</a:t>
             </a:fld>
@@ -317,7 +317,7 @@
     </p:spTree>
     <p:extLst>
       <p:ext uri="{BB962C8B-B14F-4D97-AF65-F5344CB8AC3E}">
-        <p14:creationId xmlns:p14="http://schemas.microsoft.com/office/powerpoint/2010/main" val="3748642189"/>
+        <p14:creationId xmlns:p14="http://schemas.microsoft.com/office/powerpoint/2010/main" val="1625210154"/>
       </p:ext>
     </p:extLst>
   </p:cSld>
@@ -349,7 +349,7 @@
           <p:cNvPr id="2" name="标题 1">
             <a:extLst>
               <a:ext uri="{FF2B5EF4-FFF2-40B4-BE49-F238E27FC236}">
-                <a16:creationId xmlns:a16="http://schemas.microsoft.com/office/drawing/2014/main" id="{F4C6770D-83B4-1BE3-CDBE-30C1BFFD071C}"/>
+                <a16:creationId xmlns:a16="http://schemas.microsoft.com/office/drawing/2014/main" id="{6908E1EC-8DD3-322F-66FD-C04D5CE92C22}"/>
               </a:ext>
             </a:extLst>
           </p:cNvPr>
@@ -377,7 +377,7 @@
           <p:cNvPr id="3" name="竖排文字占位符 2">
             <a:extLst>
               <a:ext uri="{FF2B5EF4-FFF2-40B4-BE49-F238E27FC236}">
-                <a16:creationId xmlns:a16="http://schemas.microsoft.com/office/drawing/2014/main" id="{E72D56DB-D72B-5C54-E229-2F3D1746EB35}"/>
+                <a16:creationId xmlns:a16="http://schemas.microsoft.com/office/drawing/2014/main" id="{A17F41C9-7718-E21D-A2D4-9D95F32A590E}"/>
               </a:ext>
             </a:extLst>
           </p:cNvPr>
@@ -434,7 +434,7 @@
           <p:cNvPr id="4" name="日期占位符 3">
             <a:extLst>
               <a:ext uri="{FF2B5EF4-FFF2-40B4-BE49-F238E27FC236}">
-                <a16:creationId xmlns:a16="http://schemas.microsoft.com/office/drawing/2014/main" id="{8F932118-3B48-FC75-87D5-547439CE8CC8}"/>
+                <a16:creationId xmlns:a16="http://schemas.microsoft.com/office/drawing/2014/main" id="{50D6139D-8F8B-E963-1D5F-82E4F4F368CB}"/>
               </a:ext>
             </a:extLst>
           </p:cNvPr>
@@ -450,7 +450,7 @@
           <a:bodyPr/>
           <a:lstStyle/>
           <a:p>
-            <a:fld id="{A9244472-95C8-4F95-B046-DCE989FD891B}" type="datetimeFigureOut">
+            <a:fld id="{D6FF1504-FC39-4EE2-AADC-B547CCDA0A15}" type="datetimeFigureOut">
               <a:rPr lang="zh-CN" altLang="en-US" smtClean="0"/>
               <a:t>2024/3/10</a:t>
             </a:fld>
@@ -463,7 +463,7 @@
           <p:cNvPr id="5" name="页脚占位符 4">
             <a:extLst>
               <a:ext uri="{FF2B5EF4-FFF2-40B4-BE49-F238E27FC236}">
-                <a16:creationId xmlns:a16="http://schemas.microsoft.com/office/drawing/2014/main" id="{5C8BAD1D-9CE6-4420-A206-73D504826935}"/>
+                <a16:creationId xmlns:a16="http://schemas.microsoft.com/office/drawing/2014/main" id="{3133C323-11E6-33BD-092F-8CF15CA6462F}"/>
               </a:ext>
             </a:extLst>
           </p:cNvPr>
@@ -488,7 +488,7 @@
           <p:cNvPr id="6" name="灯片编号占位符 5">
             <a:extLst>
               <a:ext uri="{FF2B5EF4-FFF2-40B4-BE49-F238E27FC236}">
-                <a16:creationId xmlns:a16="http://schemas.microsoft.com/office/drawing/2014/main" id="{0E3275E0-A501-05AB-7AAD-5BD3702DE728}"/>
+                <a16:creationId xmlns:a16="http://schemas.microsoft.com/office/drawing/2014/main" id="{3AE25410-FBD7-BE2A-8BF7-108EE67EB62B}"/>
               </a:ext>
             </a:extLst>
           </p:cNvPr>
@@ -504,7 +504,7 @@
           <a:bodyPr/>
           <a:lstStyle/>
           <a:p>
-            <a:fld id="{399213FC-A373-466B-AB63-56DBFE17B56E}" type="slidenum">
+            <a:fld id="{C5DAA299-E7A9-4EA6-86D4-4BB2D96E8A49}" type="slidenum">
               <a:rPr lang="zh-CN" altLang="en-US" smtClean="0"/>
               <a:t>‹#›</a:t>
             </a:fld>
@@ -515,7 +515,7 @@
     </p:spTree>
     <p:extLst>
       <p:ext uri="{BB962C8B-B14F-4D97-AF65-F5344CB8AC3E}">
-        <p14:creationId xmlns:p14="http://schemas.microsoft.com/office/powerpoint/2010/main" val="1790759035"/>
+        <p14:creationId xmlns:p14="http://schemas.microsoft.com/office/powerpoint/2010/main" val="3806501831"/>
       </p:ext>
     </p:extLst>
   </p:cSld>
@@ -547,7 +547,7 @@
           <p:cNvPr id="2" name="竖排标题 1">
             <a:extLst>
               <a:ext uri="{FF2B5EF4-FFF2-40B4-BE49-F238E27FC236}">
-                <a16:creationId xmlns:a16="http://schemas.microsoft.com/office/drawing/2014/main" id="{AFBDCBFF-32C7-1DC6-79BE-16F4FC1A24E8}"/>
+                <a16:creationId xmlns:a16="http://schemas.microsoft.com/office/drawing/2014/main" id="{3DC59D2C-4E05-366E-3DA6-F9ABB2A03B04}"/>
               </a:ext>
             </a:extLst>
           </p:cNvPr>
@@ -580,7 +580,7 @@
           <p:cNvPr id="3" name="竖排文字占位符 2">
             <a:extLst>
               <a:ext uri="{FF2B5EF4-FFF2-40B4-BE49-F238E27FC236}">
-                <a16:creationId xmlns:a16="http://schemas.microsoft.com/office/drawing/2014/main" id="{33CE0206-D4A6-0F29-EF21-F88B9A8567C0}"/>
+                <a16:creationId xmlns:a16="http://schemas.microsoft.com/office/drawing/2014/main" id="{D9B824C1-451B-94AC-24CE-427BE99E795B}"/>
               </a:ext>
             </a:extLst>
           </p:cNvPr>
@@ -642,7 +642,7 @@
           <p:cNvPr id="4" name="日期占位符 3">
             <a:extLst>
               <a:ext uri="{FF2B5EF4-FFF2-40B4-BE49-F238E27FC236}">
-                <a16:creationId xmlns:a16="http://schemas.microsoft.com/office/drawing/2014/main" id="{37AF78F1-CADB-BC89-4F75-669E73518818}"/>
+                <a16:creationId xmlns:a16="http://schemas.microsoft.com/office/drawing/2014/main" id="{35735383-7883-1130-1AF4-4D43EAB279FC}"/>
               </a:ext>
             </a:extLst>
           </p:cNvPr>
@@ -658,7 +658,7 @@
           <a:bodyPr/>
           <a:lstStyle/>
           <a:p>
-            <a:fld id="{A9244472-95C8-4F95-B046-DCE989FD891B}" type="datetimeFigureOut">
+            <a:fld id="{D6FF1504-FC39-4EE2-AADC-B547CCDA0A15}" type="datetimeFigureOut">
               <a:rPr lang="zh-CN" altLang="en-US" smtClean="0"/>
               <a:t>2024/3/10</a:t>
             </a:fld>
@@ -671,7 +671,7 @@
           <p:cNvPr id="5" name="页脚占位符 4">
             <a:extLst>
               <a:ext uri="{FF2B5EF4-FFF2-40B4-BE49-F238E27FC236}">
-                <a16:creationId xmlns:a16="http://schemas.microsoft.com/office/drawing/2014/main" id="{B5B62799-17D3-3FA1-7FCC-4EA5904E8C0F}"/>
+                <a16:creationId xmlns:a16="http://schemas.microsoft.com/office/drawing/2014/main" id="{80779352-E069-36AA-9633-28D5FA0E04DD}"/>
               </a:ext>
             </a:extLst>
           </p:cNvPr>
@@ -696,7 +696,7 @@
           <p:cNvPr id="6" name="灯片编号占位符 5">
             <a:extLst>
               <a:ext uri="{FF2B5EF4-FFF2-40B4-BE49-F238E27FC236}">
-                <a16:creationId xmlns:a16="http://schemas.microsoft.com/office/drawing/2014/main" id="{310E9535-46E6-BCE7-7EAD-406203A5ADF0}"/>
+                <a16:creationId xmlns:a16="http://schemas.microsoft.com/office/drawing/2014/main" id="{D55A2EAA-1B89-75F3-DA1A-FE38C6676087}"/>
               </a:ext>
             </a:extLst>
           </p:cNvPr>
@@ -712,7 +712,7 @@
           <a:bodyPr/>
           <a:lstStyle/>
           <a:p>
-            <a:fld id="{399213FC-A373-466B-AB63-56DBFE17B56E}" type="slidenum">
+            <a:fld id="{C5DAA299-E7A9-4EA6-86D4-4BB2D96E8A49}" type="slidenum">
               <a:rPr lang="zh-CN" altLang="en-US" smtClean="0"/>
               <a:t>‹#›</a:t>
             </a:fld>
@@ -723,7 +723,7 @@
     </p:spTree>
     <p:extLst>
       <p:ext uri="{BB962C8B-B14F-4D97-AF65-F5344CB8AC3E}">
-        <p14:creationId xmlns:p14="http://schemas.microsoft.com/office/powerpoint/2010/main" val="4241103849"/>
+        <p14:creationId xmlns:p14="http://schemas.microsoft.com/office/powerpoint/2010/main" val="3981905651"/>
       </p:ext>
     </p:extLst>
   </p:cSld>
@@ -755,7 +755,7 @@
           <p:cNvPr id="2" name="标题 1">
             <a:extLst>
               <a:ext uri="{FF2B5EF4-FFF2-40B4-BE49-F238E27FC236}">
-                <a16:creationId xmlns:a16="http://schemas.microsoft.com/office/drawing/2014/main" id="{21411CDA-4FFD-5945-C2E8-7E92CDEA335B}"/>
+                <a16:creationId xmlns:a16="http://schemas.microsoft.com/office/drawing/2014/main" id="{C0F6B64D-1452-5F1D-0D7C-830D84949666}"/>
               </a:ext>
             </a:extLst>
           </p:cNvPr>
@@ -783,7 +783,7 @@
           <p:cNvPr id="3" name="内容占位符 2">
             <a:extLst>
               <a:ext uri="{FF2B5EF4-FFF2-40B4-BE49-F238E27FC236}">
-                <a16:creationId xmlns:a16="http://schemas.microsoft.com/office/drawing/2014/main" id="{A20F5259-4506-108C-1DF4-D70E1F10DA5C}"/>
+                <a16:creationId xmlns:a16="http://schemas.microsoft.com/office/drawing/2014/main" id="{ADABCAE5-4D0B-63C6-2B35-81CB6036486D}"/>
               </a:ext>
             </a:extLst>
           </p:cNvPr>
@@ -840,7 +840,7 @@
           <p:cNvPr id="4" name="日期占位符 3">
             <a:extLst>
               <a:ext uri="{FF2B5EF4-FFF2-40B4-BE49-F238E27FC236}">
-                <a16:creationId xmlns:a16="http://schemas.microsoft.com/office/drawing/2014/main" id="{C9952949-F580-852F-B8AC-F7107E80C2F8}"/>
+                <a16:creationId xmlns:a16="http://schemas.microsoft.com/office/drawing/2014/main" id="{39BEA8D5-6CB3-46FB-28D1-B76C847A2959}"/>
               </a:ext>
             </a:extLst>
           </p:cNvPr>
@@ -856,7 +856,7 @@
           <a:bodyPr/>
           <a:lstStyle/>
           <a:p>
-            <a:fld id="{A9244472-95C8-4F95-B046-DCE989FD891B}" type="datetimeFigureOut">
+            <a:fld id="{D6FF1504-FC39-4EE2-AADC-B547CCDA0A15}" type="datetimeFigureOut">
               <a:rPr lang="zh-CN" altLang="en-US" smtClean="0"/>
               <a:t>2024/3/10</a:t>
             </a:fld>
@@ -869,7 +869,7 @@
           <p:cNvPr id="5" name="页脚占位符 4">
             <a:extLst>
               <a:ext uri="{FF2B5EF4-FFF2-40B4-BE49-F238E27FC236}">
-                <a16:creationId xmlns:a16="http://schemas.microsoft.com/office/drawing/2014/main" id="{7A6EB36A-D8CB-E2E2-9877-7446B7E4A011}"/>
+                <a16:creationId xmlns:a16="http://schemas.microsoft.com/office/drawing/2014/main" id="{C0EFA455-2D96-0F15-8569-80FEEDBB428A}"/>
               </a:ext>
             </a:extLst>
           </p:cNvPr>
@@ -894,7 +894,7 @@
           <p:cNvPr id="6" name="灯片编号占位符 5">
             <a:extLst>
               <a:ext uri="{FF2B5EF4-FFF2-40B4-BE49-F238E27FC236}">
-                <a16:creationId xmlns:a16="http://schemas.microsoft.com/office/drawing/2014/main" id="{26B1D8A9-1074-6C30-9170-E310C3DDE9E0}"/>
+                <a16:creationId xmlns:a16="http://schemas.microsoft.com/office/drawing/2014/main" id="{AA974125-9AF2-79AD-7169-8C24A3C611D3}"/>
               </a:ext>
             </a:extLst>
           </p:cNvPr>
@@ -910,7 +910,7 @@
           <a:bodyPr/>
           <a:lstStyle/>
           <a:p>
-            <a:fld id="{399213FC-A373-466B-AB63-56DBFE17B56E}" type="slidenum">
+            <a:fld id="{C5DAA299-E7A9-4EA6-86D4-4BB2D96E8A49}" type="slidenum">
               <a:rPr lang="zh-CN" altLang="en-US" smtClean="0"/>
               <a:t>‹#›</a:t>
             </a:fld>
@@ -921,7 +921,7 @@
     </p:spTree>
     <p:extLst>
       <p:ext uri="{BB962C8B-B14F-4D97-AF65-F5344CB8AC3E}">
-        <p14:creationId xmlns:p14="http://schemas.microsoft.com/office/powerpoint/2010/main" val="1089499814"/>
+        <p14:creationId xmlns:p14="http://schemas.microsoft.com/office/powerpoint/2010/main" val="1708542086"/>
       </p:ext>
     </p:extLst>
   </p:cSld>
@@ -953,7 +953,7 @@
           <p:cNvPr id="2" name="标题 1">
             <a:extLst>
               <a:ext uri="{FF2B5EF4-FFF2-40B4-BE49-F238E27FC236}">
-                <a16:creationId xmlns:a16="http://schemas.microsoft.com/office/drawing/2014/main" id="{BF7FA20F-B0F1-9027-BCB1-4C13560498C0}"/>
+                <a16:creationId xmlns:a16="http://schemas.microsoft.com/office/drawing/2014/main" id="{B29AF231-52CC-2581-79F3-53D4E513A48D}"/>
               </a:ext>
             </a:extLst>
           </p:cNvPr>
@@ -990,7 +990,7 @@
           <p:cNvPr id="3" name="文本占位符 2">
             <a:extLst>
               <a:ext uri="{FF2B5EF4-FFF2-40B4-BE49-F238E27FC236}">
-                <a16:creationId xmlns:a16="http://schemas.microsoft.com/office/drawing/2014/main" id="{E73F45D4-0E37-0B71-0D0A-7CC2DD39C6CE}"/>
+                <a16:creationId xmlns:a16="http://schemas.microsoft.com/office/drawing/2014/main" id="{034FBB75-19DC-5DC0-85E3-2134DD8E0825}"/>
               </a:ext>
             </a:extLst>
           </p:cNvPr>
@@ -1115,7 +1115,7 @@
           <p:cNvPr id="4" name="日期占位符 3">
             <a:extLst>
               <a:ext uri="{FF2B5EF4-FFF2-40B4-BE49-F238E27FC236}">
-                <a16:creationId xmlns:a16="http://schemas.microsoft.com/office/drawing/2014/main" id="{E8433F48-498A-9C3A-51AD-18B6186157DA}"/>
+                <a16:creationId xmlns:a16="http://schemas.microsoft.com/office/drawing/2014/main" id="{FF040DCB-38FA-AFA3-0A3E-EADF3BD7C8A7}"/>
               </a:ext>
             </a:extLst>
           </p:cNvPr>
@@ -1131,7 +1131,7 @@
           <a:bodyPr/>
           <a:lstStyle/>
           <a:p>
-            <a:fld id="{A9244472-95C8-4F95-B046-DCE989FD891B}" type="datetimeFigureOut">
+            <a:fld id="{D6FF1504-FC39-4EE2-AADC-B547CCDA0A15}" type="datetimeFigureOut">
               <a:rPr lang="zh-CN" altLang="en-US" smtClean="0"/>
               <a:t>2024/3/10</a:t>
             </a:fld>
@@ -1144,7 +1144,7 @@
           <p:cNvPr id="5" name="页脚占位符 4">
             <a:extLst>
               <a:ext uri="{FF2B5EF4-FFF2-40B4-BE49-F238E27FC236}">
-                <a16:creationId xmlns:a16="http://schemas.microsoft.com/office/drawing/2014/main" id="{2AB4E926-9DDA-E9E9-A72F-4017794390D5}"/>
+                <a16:creationId xmlns:a16="http://schemas.microsoft.com/office/drawing/2014/main" id="{F14012FA-D8D5-4C4E-B127-A50C05291B09}"/>
               </a:ext>
             </a:extLst>
           </p:cNvPr>
@@ -1169,7 +1169,7 @@
           <p:cNvPr id="6" name="灯片编号占位符 5">
             <a:extLst>
               <a:ext uri="{FF2B5EF4-FFF2-40B4-BE49-F238E27FC236}">
-                <a16:creationId xmlns:a16="http://schemas.microsoft.com/office/drawing/2014/main" id="{945F3F4D-0B24-9E75-CC11-99160A1A6CB1}"/>
+                <a16:creationId xmlns:a16="http://schemas.microsoft.com/office/drawing/2014/main" id="{81080104-5188-722E-4110-68A28113F100}"/>
               </a:ext>
             </a:extLst>
           </p:cNvPr>
@@ -1185,7 +1185,7 @@
           <a:bodyPr/>
           <a:lstStyle/>
           <a:p>
-            <a:fld id="{399213FC-A373-466B-AB63-56DBFE17B56E}" type="slidenum">
+            <a:fld id="{C5DAA299-E7A9-4EA6-86D4-4BB2D96E8A49}" type="slidenum">
               <a:rPr lang="zh-CN" altLang="en-US" smtClean="0"/>
               <a:t>‹#›</a:t>
             </a:fld>
@@ -1196,7 +1196,7 @@
     </p:spTree>
     <p:extLst>
       <p:ext uri="{BB962C8B-B14F-4D97-AF65-F5344CB8AC3E}">
-        <p14:creationId xmlns:p14="http://schemas.microsoft.com/office/powerpoint/2010/main" val="2479237907"/>
+        <p14:creationId xmlns:p14="http://schemas.microsoft.com/office/powerpoint/2010/main" val="3229661115"/>
       </p:ext>
     </p:extLst>
   </p:cSld>
@@ -1228,7 +1228,7 @@
           <p:cNvPr id="2" name="标题 1">
             <a:extLst>
               <a:ext uri="{FF2B5EF4-FFF2-40B4-BE49-F238E27FC236}">
-                <a16:creationId xmlns:a16="http://schemas.microsoft.com/office/drawing/2014/main" id="{9C9025EE-215C-C6DA-3899-7B1F7AEEB867}"/>
+                <a16:creationId xmlns:a16="http://schemas.microsoft.com/office/drawing/2014/main" id="{F8729F76-5E80-4957-4296-E948414335B6}"/>
               </a:ext>
             </a:extLst>
           </p:cNvPr>
@@ -1256,7 +1256,7 @@
           <p:cNvPr id="3" name="内容占位符 2">
             <a:extLst>
               <a:ext uri="{FF2B5EF4-FFF2-40B4-BE49-F238E27FC236}">
-                <a16:creationId xmlns:a16="http://schemas.microsoft.com/office/drawing/2014/main" id="{390E1180-0076-0F51-DDB0-4214F99CD8C5}"/>
+                <a16:creationId xmlns:a16="http://schemas.microsoft.com/office/drawing/2014/main" id="{1795AEFD-3E72-42A1-A170-47DD38D4A9E6}"/>
               </a:ext>
             </a:extLst>
           </p:cNvPr>
@@ -1318,7 +1318,7 @@
           <p:cNvPr id="4" name="内容占位符 3">
             <a:extLst>
               <a:ext uri="{FF2B5EF4-FFF2-40B4-BE49-F238E27FC236}">
-                <a16:creationId xmlns:a16="http://schemas.microsoft.com/office/drawing/2014/main" id="{4DD40710-DBE2-5B91-C5D0-2059FC0A3743}"/>
+                <a16:creationId xmlns:a16="http://schemas.microsoft.com/office/drawing/2014/main" id="{2B154277-8FB4-2FDD-0545-95D0AA015409}"/>
               </a:ext>
             </a:extLst>
           </p:cNvPr>
@@ -1380,7 +1380,7 @@
           <p:cNvPr id="5" name="日期占位符 4">
             <a:extLst>
               <a:ext uri="{FF2B5EF4-FFF2-40B4-BE49-F238E27FC236}">
-                <a16:creationId xmlns:a16="http://schemas.microsoft.com/office/drawing/2014/main" id="{399B28A5-6E1A-56B4-9CF5-3DE74CB94770}"/>
+                <a16:creationId xmlns:a16="http://schemas.microsoft.com/office/drawing/2014/main" id="{B9616FBD-4B4E-0E07-AFEF-50F4CD4F0E1E}"/>
               </a:ext>
             </a:extLst>
           </p:cNvPr>
@@ -1396,7 +1396,7 @@
           <a:bodyPr/>
           <a:lstStyle/>
           <a:p>
-            <a:fld id="{A9244472-95C8-4F95-B046-DCE989FD891B}" type="datetimeFigureOut">
+            <a:fld id="{D6FF1504-FC39-4EE2-AADC-B547CCDA0A15}" type="datetimeFigureOut">
               <a:rPr lang="zh-CN" altLang="en-US" smtClean="0"/>
               <a:t>2024/3/10</a:t>
             </a:fld>
@@ -1409,7 +1409,7 @@
           <p:cNvPr id="6" name="页脚占位符 5">
             <a:extLst>
               <a:ext uri="{FF2B5EF4-FFF2-40B4-BE49-F238E27FC236}">
-                <a16:creationId xmlns:a16="http://schemas.microsoft.com/office/drawing/2014/main" id="{B94D19B1-A2FC-44F1-6478-6C3E05F9A0E5}"/>
+                <a16:creationId xmlns:a16="http://schemas.microsoft.com/office/drawing/2014/main" id="{B32F4C4B-584D-8D47-1688-AAFBADC9E26F}"/>
               </a:ext>
             </a:extLst>
           </p:cNvPr>
@@ -1434,7 +1434,7 @@
           <p:cNvPr id="7" name="灯片编号占位符 6">
             <a:extLst>
               <a:ext uri="{FF2B5EF4-FFF2-40B4-BE49-F238E27FC236}">
-                <a16:creationId xmlns:a16="http://schemas.microsoft.com/office/drawing/2014/main" id="{0B8316D4-586C-6F05-CC4B-4854016B8D84}"/>
+                <a16:creationId xmlns:a16="http://schemas.microsoft.com/office/drawing/2014/main" id="{5C946F21-16FA-6C5D-B55D-43C28C0CD5B1}"/>
               </a:ext>
             </a:extLst>
           </p:cNvPr>
@@ -1450,7 +1450,7 @@
           <a:bodyPr/>
           <a:lstStyle/>
           <a:p>
-            <a:fld id="{399213FC-A373-466B-AB63-56DBFE17B56E}" type="slidenum">
+            <a:fld id="{C5DAA299-E7A9-4EA6-86D4-4BB2D96E8A49}" type="slidenum">
               <a:rPr lang="zh-CN" altLang="en-US" smtClean="0"/>
               <a:t>‹#›</a:t>
             </a:fld>
@@ -1461,7 +1461,7 @@
     </p:spTree>
     <p:extLst>
       <p:ext uri="{BB962C8B-B14F-4D97-AF65-F5344CB8AC3E}">
-        <p14:creationId xmlns:p14="http://schemas.microsoft.com/office/powerpoint/2010/main" val="151410123"/>
+        <p14:creationId xmlns:p14="http://schemas.microsoft.com/office/powerpoint/2010/main" val="3529036468"/>
       </p:ext>
     </p:extLst>
   </p:cSld>
@@ -1493,7 +1493,7 @@
           <p:cNvPr id="2" name="标题 1">
             <a:extLst>
               <a:ext uri="{FF2B5EF4-FFF2-40B4-BE49-F238E27FC236}">
-                <a16:creationId xmlns:a16="http://schemas.microsoft.com/office/drawing/2014/main" id="{4CDAB9A5-E2E3-D002-804A-26BCF41690AF}"/>
+                <a16:creationId xmlns:a16="http://schemas.microsoft.com/office/drawing/2014/main" id="{0FD20756-E3A4-F6A7-D579-F1C39F7F55D7}"/>
               </a:ext>
             </a:extLst>
           </p:cNvPr>
@@ -1526,7 +1526,7 @@
           <p:cNvPr id="3" name="文本占位符 2">
             <a:extLst>
               <a:ext uri="{FF2B5EF4-FFF2-40B4-BE49-F238E27FC236}">
-                <a16:creationId xmlns:a16="http://schemas.microsoft.com/office/drawing/2014/main" id="{8E649FEB-9BAA-58BA-45B0-DFFA57949207}"/>
+                <a16:creationId xmlns:a16="http://schemas.microsoft.com/office/drawing/2014/main" id="{958548EE-7306-1941-F8EE-8B3BDA25EB61}"/>
               </a:ext>
             </a:extLst>
           </p:cNvPr>
@@ -1597,7 +1597,7 @@
           <p:cNvPr id="4" name="内容占位符 3">
             <a:extLst>
               <a:ext uri="{FF2B5EF4-FFF2-40B4-BE49-F238E27FC236}">
-                <a16:creationId xmlns:a16="http://schemas.microsoft.com/office/drawing/2014/main" id="{8E2FF68E-62D9-54D3-C606-D12F919D1BDE}"/>
+                <a16:creationId xmlns:a16="http://schemas.microsoft.com/office/drawing/2014/main" id="{A32C3E8A-75AD-8EAF-388A-CC589B0513DA}"/>
               </a:ext>
             </a:extLst>
           </p:cNvPr>
@@ -1659,7 +1659,7 @@
           <p:cNvPr id="5" name="文本占位符 4">
             <a:extLst>
               <a:ext uri="{FF2B5EF4-FFF2-40B4-BE49-F238E27FC236}">
-                <a16:creationId xmlns:a16="http://schemas.microsoft.com/office/drawing/2014/main" id="{6E2527C0-2032-2B83-CF73-5162430087C9}"/>
+                <a16:creationId xmlns:a16="http://schemas.microsoft.com/office/drawing/2014/main" id="{69F3AFC6-896B-4E2A-1F0A-895509B06563}"/>
               </a:ext>
             </a:extLst>
           </p:cNvPr>
@@ -1730,7 +1730,7 @@
           <p:cNvPr id="6" name="内容占位符 5">
             <a:extLst>
               <a:ext uri="{FF2B5EF4-FFF2-40B4-BE49-F238E27FC236}">
-                <a16:creationId xmlns:a16="http://schemas.microsoft.com/office/drawing/2014/main" id="{8D2DD3A5-D9CB-A135-45FC-7432BB1C7F95}"/>
+                <a16:creationId xmlns:a16="http://schemas.microsoft.com/office/drawing/2014/main" id="{BEC6C979-C152-6855-808B-CBBD69DF184D}"/>
               </a:ext>
             </a:extLst>
           </p:cNvPr>
@@ -1792,7 +1792,7 @@
           <p:cNvPr id="7" name="日期占位符 6">
             <a:extLst>
               <a:ext uri="{FF2B5EF4-FFF2-40B4-BE49-F238E27FC236}">
-                <a16:creationId xmlns:a16="http://schemas.microsoft.com/office/drawing/2014/main" id="{600980CD-95B0-57A6-7A21-CCDDC1268625}"/>
+                <a16:creationId xmlns:a16="http://schemas.microsoft.com/office/drawing/2014/main" id="{7C0CA08B-FB99-DF3E-3839-1CD1A7481D53}"/>
               </a:ext>
             </a:extLst>
           </p:cNvPr>
@@ -1808,7 +1808,7 @@
           <a:bodyPr/>
           <a:lstStyle/>
           <a:p>
-            <a:fld id="{A9244472-95C8-4F95-B046-DCE989FD891B}" type="datetimeFigureOut">
+            <a:fld id="{D6FF1504-FC39-4EE2-AADC-B547CCDA0A15}" type="datetimeFigureOut">
               <a:rPr lang="zh-CN" altLang="en-US" smtClean="0"/>
               <a:t>2024/3/10</a:t>
             </a:fld>
@@ -1821,7 +1821,7 @@
           <p:cNvPr id="8" name="页脚占位符 7">
             <a:extLst>
               <a:ext uri="{FF2B5EF4-FFF2-40B4-BE49-F238E27FC236}">
-                <a16:creationId xmlns:a16="http://schemas.microsoft.com/office/drawing/2014/main" id="{FA54FB00-28B1-A05D-EA41-C751B0DBC08B}"/>
+                <a16:creationId xmlns:a16="http://schemas.microsoft.com/office/drawing/2014/main" id="{184D2B9C-CAB7-196F-19F8-12727233A2B6}"/>
               </a:ext>
             </a:extLst>
           </p:cNvPr>
@@ -1846,7 +1846,7 @@
           <p:cNvPr id="9" name="灯片编号占位符 8">
             <a:extLst>
               <a:ext uri="{FF2B5EF4-FFF2-40B4-BE49-F238E27FC236}">
-                <a16:creationId xmlns:a16="http://schemas.microsoft.com/office/drawing/2014/main" id="{7594D619-3D22-0B5F-0859-D6AA7A78A3DC}"/>
+                <a16:creationId xmlns:a16="http://schemas.microsoft.com/office/drawing/2014/main" id="{FB1B0599-A66F-AE0B-387E-1FC06B840885}"/>
               </a:ext>
             </a:extLst>
           </p:cNvPr>
@@ -1862,7 +1862,7 @@
           <a:bodyPr/>
           <a:lstStyle/>
           <a:p>
-            <a:fld id="{399213FC-A373-466B-AB63-56DBFE17B56E}" type="slidenum">
+            <a:fld id="{C5DAA299-E7A9-4EA6-86D4-4BB2D96E8A49}" type="slidenum">
               <a:rPr lang="zh-CN" altLang="en-US" smtClean="0"/>
               <a:t>‹#›</a:t>
             </a:fld>
@@ -1873,7 +1873,7 @@
     </p:spTree>
     <p:extLst>
       <p:ext uri="{BB962C8B-B14F-4D97-AF65-F5344CB8AC3E}">
-        <p14:creationId xmlns:p14="http://schemas.microsoft.com/office/powerpoint/2010/main" val="2364870244"/>
+        <p14:creationId xmlns:p14="http://schemas.microsoft.com/office/powerpoint/2010/main" val="1237267414"/>
       </p:ext>
     </p:extLst>
   </p:cSld>
@@ -1905,7 +1905,7 @@
           <p:cNvPr id="2" name="标题 1">
             <a:extLst>
               <a:ext uri="{FF2B5EF4-FFF2-40B4-BE49-F238E27FC236}">
-                <a16:creationId xmlns:a16="http://schemas.microsoft.com/office/drawing/2014/main" id="{609585F6-6193-DFA3-6101-DB36CCF059DC}"/>
+                <a16:creationId xmlns:a16="http://schemas.microsoft.com/office/drawing/2014/main" id="{8D0BEF9F-063D-D98A-E18C-D015D7A260C3}"/>
               </a:ext>
             </a:extLst>
           </p:cNvPr>
@@ -1933,7 +1933,7 @@
           <p:cNvPr id="3" name="日期占位符 2">
             <a:extLst>
               <a:ext uri="{FF2B5EF4-FFF2-40B4-BE49-F238E27FC236}">
-                <a16:creationId xmlns:a16="http://schemas.microsoft.com/office/drawing/2014/main" id="{D83220D9-CC09-1E35-1752-E506DE5427E6}"/>
+                <a16:creationId xmlns:a16="http://schemas.microsoft.com/office/drawing/2014/main" id="{0D13BE7D-1B45-4C55-B3A5-4C396E7A4D17}"/>
               </a:ext>
             </a:extLst>
           </p:cNvPr>
@@ -1949,7 +1949,7 @@
           <a:bodyPr/>
           <a:lstStyle/>
           <a:p>
-            <a:fld id="{A9244472-95C8-4F95-B046-DCE989FD891B}" type="datetimeFigureOut">
+            <a:fld id="{D6FF1504-FC39-4EE2-AADC-B547CCDA0A15}" type="datetimeFigureOut">
               <a:rPr lang="zh-CN" altLang="en-US" smtClean="0"/>
               <a:t>2024/3/10</a:t>
             </a:fld>
@@ -1962,7 +1962,7 @@
           <p:cNvPr id="4" name="页脚占位符 3">
             <a:extLst>
               <a:ext uri="{FF2B5EF4-FFF2-40B4-BE49-F238E27FC236}">
-                <a16:creationId xmlns:a16="http://schemas.microsoft.com/office/drawing/2014/main" id="{F14E0F8D-DB9C-CBA2-CD8D-ECD8CDAC7F97}"/>
+                <a16:creationId xmlns:a16="http://schemas.microsoft.com/office/drawing/2014/main" id="{71A51F29-5C52-2C75-469F-4FA830E96B3D}"/>
               </a:ext>
             </a:extLst>
           </p:cNvPr>
@@ -1987,7 +1987,7 @@
           <p:cNvPr id="5" name="灯片编号占位符 4">
             <a:extLst>
               <a:ext uri="{FF2B5EF4-FFF2-40B4-BE49-F238E27FC236}">
-                <a16:creationId xmlns:a16="http://schemas.microsoft.com/office/drawing/2014/main" id="{D5623E3D-6139-A2D1-A6D7-36D48D76E464}"/>
+                <a16:creationId xmlns:a16="http://schemas.microsoft.com/office/drawing/2014/main" id="{CC3178A4-8097-BA25-FD96-30B9B58E53DC}"/>
               </a:ext>
             </a:extLst>
           </p:cNvPr>
@@ -2003,7 +2003,7 @@
           <a:bodyPr/>
           <a:lstStyle/>
           <a:p>
-            <a:fld id="{399213FC-A373-466B-AB63-56DBFE17B56E}" type="slidenum">
+            <a:fld id="{C5DAA299-E7A9-4EA6-86D4-4BB2D96E8A49}" type="slidenum">
               <a:rPr lang="zh-CN" altLang="en-US" smtClean="0"/>
               <a:t>‹#›</a:t>
             </a:fld>
@@ -2014,7 +2014,7 @@
     </p:spTree>
     <p:extLst>
       <p:ext uri="{BB962C8B-B14F-4D97-AF65-F5344CB8AC3E}">
-        <p14:creationId xmlns:p14="http://schemas.microsoft.com/office/powerpoint/2010/main" val="3408347775"/>
+        <p14:creationId xmlns:p14="http://schemas.microsoft.com/office/powerpoint/2010/main" val="4223736164"/>
       </p:ext>
     </p:extLst>
   </p:cSld>
@@ -2046,7 +2046,7 @@
           <p:cNvPr id="2" name="日期占位符 1">
             <a:extLst>
               <a:ext uri="{FF2B5EF4-FFF2-40B4-BE49-F238E27FC236}">
-                <a16:creationId xmlns:a16="http://schemas.microsoft.com/office/drawing/2014/main" id="{EBC17C1A-1742-FCAB-88CB-A8F5C3BEDC03}"/>
+                <a16:creationId xmlns:a16="http://schemas.microsoft.com/office/drawing/2014/main" id="{1279FC0D-CBB5-FD3C-79E7-318A777F8AD5}"/>
               </a:ext>
             </a:extLst>
           </p:cNvPr>
@@ -2062,7 +2062,7 @@
           <a:bodyPr/>
           <a:lstStyle/>
           <a:p>
-            <a:fld id="{A9244472-95C8-4F95-B046-DCE989FD891B}" type="datetimeFigureOut">
+            <a:fld id="{D6FF1504-FC39-4EE2-AADC-B547CCDA0A15}" type="datetimeFigureOut">
               <a:rPr lang="zh-CN" altLang="en-US" smtClean="0"/>
               <a:t>2024/3/10</a:t>
             </a:fld>
@@ -2075,7 +2075,7 @@
           <p:cNvPr id="3" name="页脚占位符 2">
             <a:extLst>
               <a:ext uri="{FF2B5EF4-FFF2-40B4-BE49-F238E27FC236}">
-                <a16:creationId xmlns:a16="http://schemas.microsoft.com/office/drawing/2014/main" id="{96E813FB-8CF3-E349-3FE8-7BB2CC234643}"/>
+                <a16:creationId xmlns:a16="http://schemas.microsoft.com/office/drawing/2014/main" id="{F28175D5-2F41-C1E7-546F-A65167618999}"/>
               </a:ext>
             </a:extLst>
           </p:cNvPr>
@@ -2100,7 +2100,7 @@
           <p:cNvPr id="4" name="灯片编号占位符 3">
             <a:extLst>
               <a:ext uri="{FF2B5EF4-FFF2-40B4-BE49-F238E27FC236}">
-                <a16:creationId xmlns:a16="http://schemas.microsoft.com/office/drawing/2014/main" id="{F7C6A60F-D0C5-5539-8AE6-1BAD7513D37A}"/>
+                <a16:creationId xmlns:a16="http://schemas.microsoft.com/office/drawing/2014/main" id="{2698E2B1-DA1A-FF09-A065-742D38782A09}"/>
               </a:ext>
             </a:extLst>
           </p:cNvPr>
@@ -2116,7 +2116,7 @@
           <a:bodyPr/>
           <a:lstStyle/>
           <a:p>
-            <a:fld id="{399213FC-A373-466B-AB63-56DBFE17B56E}" type="slidenum">
+            <a:fld id="{C5DAA299-E7A9-4EA6-86D4-4BB2D96E8A49}" type="slidenum">
               <a:rPr lang="zh-CN" altLang="en-US" smtClean="0"/>
               <a:t>‹#›</a:t>
             </a:fld>
@@ -2127,7 +2127,7 @@
     </p:spTree>
     <p:extLst>
       <p:ext uri="{BB962C8B-B14F-4D97-AF65-F5344CB8AC3E}">
-        <p14:creationId xmlns:p14="http://schemas.microsoft.com/office/powerpoint/2010/main" val="4086002948"/>
+        <p14:creationId xmlns:p14="http://schemas.microsoft.com/office/powerpoint/2010/main" val="4255969478"/>
       </p:ext>
     </p:extLst>
   </p:cSld>
@@ -2159,7 +2159,7 @@
           <p:cNvPr id="2" name="标题 1">
             <a:extLst>
               <a:ext uri="{FF2B5EF4-FFF2-40B4-BE49-F238E27FC236}">
-                <a16:creationId xmlns:a16="http://schemas.microsoft.com/office/drawing/2014/main" id="{337C4543-DE4C-B5E0-D5E4-929202EF0E2E}"/>
+                <a16:creationId xmlns:a16="http://schemas.microsoft.com/office/drawing/2014/main" id="{6FC4D992-77F1-044D-E410-5A65238613D4}"/>
               </a:ext>
             </a:extLst>
           </p:cNvPr>
@@ -2196,7 +2196,7 @@
           <p:cNvPr id="3" name="内容占位符 2">
             <a:extLst>
               <a:ext uri="{FF2B5EF4-FFF2-40B4-BE49-F238E27FC236}">
-                <a16:creationId xmlns:a16="http://schemas.microsoft.com/office/drawing/2014/main" id="{AD34A1DD-FD47-5E0D-FFC8-CA342496A080}"/>
+                <a16:creationId xmlns:a16="http://schemas.microsoft.com/office/drawing/2014/main" id="{4DFFF7A4-B9FE-095A-8045-A6D030E605CE}"/>
               </a:ext>
             </a:extLst>
           </p:cNvPr>
@@ -2286,7 +2286,7 @@
           <p:cNvPr id="4" name="文本占位符 3">
             <a:extLst>
               <a:ext uri="{FF2B5EF4-FFF2-40B4-BE49-F238E27FC236}">
-                <a16:creationId xmlns:a16="http://schemas.microsoft.com/office/drawing/2014/main" id="{592FE862-4E97-33E0-D169-A175E94032FB}"/>
+                <a16:creationId xmlns:a16="http://schemas.microsoft.com/office/drawing/2014/main" id="{99C35DB8-FEEE-9F79-2889-CE9B46D1A616}"/>
               </a:ext>
             </a:extLst>
           </p:cNvPr>
@@ -2357,7 +2357,7 @@
           <p:cNvPr id="5" name="日期占位符 4">
             <a:extLst>
               <a:ext uri="{FF2B5EF4-FFF2-40B4-BE49-F238E27FC236}">
-                <a16:creationId xmlns:a16="http://schemas.microsoft.com/office/drawing/2014/main" id="{D416FCF2-C45F-7A8C-194A-385A8DB3C1EF}"/>
+                <a16:creationId xmlns:a16="http://schemas.microsoft.com/office/drawing/2014/main" id="{CFDAEB0D-354C-2D5A-40B1-BF2C7427E985}"/>
               </a:ext>
             </a:extLst>
           </p:cNvPr>
@@ -2373,7 +2373,7 @@
           <a:bodyPr/>
           <a:lstStyle/>
           <a:p>
-            <a:fld id="{A9244472-95C8-4F95-B046-DCE989FD891B}" type="datetimeFigureOut">
+            <a:fld id="{D6FF1504-FC39-4EE2-AADC-B547CCDA0A15}" type="datetimeFigureOut">
               <a:rPr lang="zh-CN" altLang="en-US" smtClean="0"/>
               <a:t>2024/3/10</a:t>
             </a:fld>
@@ -2386,7 +2386,7 @@
           <p:cNvPr id="6" name="页脚占位符 5">
             <a:extLst>
               <a:ext uri="{FF2B5EF4-FFF2-40B4-BE49-F238E27FC236}">
-                <a16:creationId xmlns:a16="http://schemas.microsoft.com/office/drawing/2014/main" id="{76864106-FCD9-E58C-ECDE-51B12D5BCB1C}"/>
+                <a16:creationId xmlns:a16="http://schemas.microsoft.com/office/drawing/2014/main" id="{95816B3A-893F-67F3-5EB8-C1E89B146ED9}"/>
               </a:ext>
             </a:extLst>
           </p:cNvPr>
@@ -2411,7 +2411,7 @@
           <p:cNvPr id="7" name="灯片编号占位符 6">
             <a:extLst>
               <a:ext uri="{FF2B5EF4-FFF2-40B4-BE49-F238E27FC236}">
-                <a16:creationId xmlns:a16="http://schemas.microsoft.com/office/drawing/2014/main" id="{DC66C662-BECF-635D-18B5-467DDE169470}"/>
+                <a16:creationId xmlns:a16="http://schemas.microsoft.com/office/drawing/2014/main" id="{400D28C0-51D0-182F-27C2-74FEDBDEE9A7}"/>
               </a:ext>
             </a:extLst>
           </p:cNvPr>
@@ -2427,7 +2427,7 @@
           <a:bodyPr/>
           <a:lstStyle/>
           <a:p>
-            <a:fld id="{399213FC-A373-466B-AB63-56DBFE17B56E}" type="slidenum">
+            <a:fld id="{C5DAA299-E7A9-4EA6-86D4-4BB2D96E8A49}" type="slidenum">
               <a:rPr lang="zh-CN" altLang="en-US" smtClean="0"/>
               <a:t>‹#›</a:t>
             </a:fld>
@@ -2438,7 +2438,7 @@
     </p:spTree>
     <p:extLst>
       <p:ext uri="{BB962C8B-B14F-4D97-AF65-F5344CB8AC3E}">
-        <p14:creationId xmlns:p14="http://schemas.microsoft.com/office/powerpoint/2010/main" val="681785499"/>
+        <p14:creationId xmlns:p14="http://schemas.microsoft.com/office/powerpoint/2010/main" val="3138243775"/>
       </p:ext>
     </p:extLst>
   </p:cSld>
@@ -2470,7 +2470,7 @@
           <p:cNvPr id="2" name="标题 1">
             <a:extLst>
               <a:ext uri="{FF2B5EF4-FFF2-40B4-BE49-F238E27FC236}">
-                <a16:creationId xmlns:a16="http://schemas.microsoft.com/office/drawing/2014/main" id="{FD0BA941-A004-0269-2063-616625047A90}"/>
+                <a16:creationId xmlns:a16="http://schemas.microsoft.com/office/drawing/2014/main" id="{2DF15221-5093-9F26-D98B-200C0093D775}"/>
               </a:ext>
             </a:extLst>
           </p:cNvPr>
@@ -2507,7 +2507,7 @@
           <p:cNvPr id="3" name="图片占位符 2">
             <a:extLst>
               <a:ext uri="{FF2B5EF4-FFF2-40B4-BE49-F238E27FC236}">
-                <a16:creationId xmlns:a16="http://schemas.microsoft.com/office/drawing/2014/main" id="{CD01E9EF-74B4-912F-C885-50D11C4E5B63}"/>
+                <a16:creationId xmlns:a16="http://schemas.microsoft.com/office/drawing/2014/main" id="{474F7A39-E26E-E2A0-E2F6-E551C23F36EA}"/>
               </a:ext>
             </a:extLst>
           </p:cNvPr>
@@ -2574,7 +2574,7 @@
           <p:cNvPr id="4" name="文本占位符 3">
             <a:extLst>
               <a:ext uri="{FF2B5EF4-FFF2-40B4-BE49-F238E27FC236}">
-                <a16:creationId xmlns:a16="http://schemas.microsoft.com/office/drawing/2014/main" id="{CE2FA983-CC21-023B-9BBE-19D2E3EE774B}"/>
+                <a16:creationId xmlns:a16="http://schemas.microsoft.com/office/drawing/2014/main" id="{F9EF8471-0B8D-E0E1-AD6B-F0616FEA0D3F}"/>
               </a:ext>
             </a:extLst>
           </p:cNvPr>
@@ -2645,7 +2645,7 @@
           <p:cNvPr id="5" name="日期占位符 4">
             <a:extLst>
               <a:ext uri="{FF2B5EF4-FFF2-40B4-BE49-F238E27FC236}">
-                <a16:creationId xmlns:a16="http://schemas.microsoft.com/office/drawing/2014/main" id="{EC20FC32-4608-2ACE-D5BD-4414D21437BE}"/>
+                <a16:creationId xmlns:a16="http://schemas.microsoft.com/office/drawing/2014/main" id="{44A4154C-93C1-8B95-0333-6DF152184BB0}"/>
               </a:ext>
             </a:extLst>
           </p:cNvPr>
@@ -2661,7 +2661,7 @@
           <a:bodyPr/>
           <a:lstStyle/>
           <a:p>
-            <a:fld id="{A9244472-95C8-4F95-B046-DCE989FD891B}" type="datetimeFigureOut">
+            <a:fld id="{D6FF1504-FC39-4EE2-AADC-B547CCDA0A15}" type="datetimeFigureOut">
               <a:rPr lang="zh-CN" altLang="en-US" smtClean="0"/>
               <a:t>2024/3/10</a:t>
             </a:fld>
@@ -2674,7 +2674,7 @@
           <p:cNvPr id="6" name="页脚占位符 5">
             <a:extLst>
               <a:ext uri="{FF2B5EF4-FFF2-40B4-BE49-F238E27FC236}">
-                <a16:creationId xmlns:a16="http://schemas.microsoft.com/office/drawing/2014/main" id="{B4C53318-7E78-E350-2EF7-1B755E2E7DE0}"/>
+                <a16:creationId xmlns:a16="http://schemas.microsoft.com/office/drawing/2014/main" id="{6A874DCE-45C1-91A7-E32D-CD5D6EE46923}"/>
               </a:ext>
             </a:extLst>
           </p:cNvPr>
@@ -2699,7 +2699,7 @@
           <p:cNvPr id="7" name="灯片编号占位符 6">
             <a:extLst>
               <a:ext uri="{FF2B5EF4-FFF2-40B4-BE49-F238E27FC236}">
-                <a16:creationId xmlns:a16="http://schemas.microsoft.com/office/drawing/2014/main" id="{8D45B639-A40E-0D1D-7AF6-8F8588C91BFD}"/>
+                <a16:creationId xmlns:a16="http://schemas.microsoft.com/office/drawing/2014/main" id="{DCF451E9-0BD8-9375-6AB1-30EC55BBC8C6}"/>
               </a:ext>
             </a:extLst>
           </p:cNvPr>
@@ -2715,7 +2715,7 @@
           <a:bodyPr/>
           <a:lstStyle/>
           <a:p>
-            <a:fld id="{399213FC-A373-466B-AB63-56DBFE17B56E}" type="slidenum">
+            <a:fld id="{C5DAA299-E7A9-4EA6-86D4-4BB2D96E8A49}" type="slidenum">
               <a:rPr lang="zh-CN" altLang="en-US" smtClean="0"/>
               <a:t>‹#›</a:t>
             </a:fld>
@@ -2726,7 +2726,7 @@
     </p:spTree>
     <p:extLst>
       <p:ext uri="{BB962C8B-B14F-4D97-AF65-F5344CB8AC3E}">
-        <p14:creationId xmlns:p14="http://schemas.microsoft.com/office/powerpoint/2010/main" val="2664235304"/>
+        <p14:creationId xmlns:p14="http://schemas.microsoft.com/office/powerpoint/2010/main" val="4270285779"/>
       </p:ext>
     </p:extLst>
   </p:cSld>
@@ -2763,7 +2763,7 @@
           <p:cNvPr id="2" name="标题占位符 1">
             <a:extLst>
               <a:ext uri="{FF2B5EF4-FFF2-40B4-BE49-F238E27FC236}">
-                <a16:creationId xmlns:a16="http://schemas.microsoft.com/office/drawing/2014/main" id="{A3B9CC65-16BF-6AD5-A43E-C4408BA0E45C}"/>
+                <a16:creationId xmlns:a16="http://schemas.microsoft.com/office/drawing/2014/main" id="{FD68622E-FCE4-B7AA-1661-3E99ED1834AF}"/>
               </a:ext>
             </a:extLst>
           </p:cNvPr>
@@ -2801,7 +2801,7 @@
           <p:cNvPr id="3" name="文本占位符 2">
             <a:extLst>
               <a:ext uri="{FF2B5EF4-FFF2-40B4-BE49-F238E27FC236}">
-                <a16:creationId xmlns:a16="http://schemas.microsoft.com/office/drawing/2014/main" id="{69DFB7B1-30DE-7005-BA77-C53EE5C60059}"/>
+                <a16:creationId xmlns:a16="http://schemas.microsoft.com/office/drawing/2014/main" id="{73F5D0E6-74FB-EEFD-CB02-643B036A6A11}"/>
               </a:ext>
             </a:extLst>
           </p:cNvPr>
@@ -2868,7 +2868,7 @@
           <p:cNvPr id="4" name="日期占位符 3">
             <a:extLst>
               <a:ext uri="{FF2B5EF4-FFF2-40B4-BE49-F238E27FC236}">
-                <a16:creationId xmlns:a16="http://schemas.microsoft.com/office/drawing/2014/main" id="{1D947CA0-B37C-D850-94D3-CF53D5836F14}"/>
+                <a16:creationId xmlns:a16="http://schemas.microsoft.com/office/drawing/2014/main" id="{3AE7AAC4-676A-5EC6-CD3F-F31F025321A4}"/>
               </a:ext>
             </a:extLst>
           </p:cNvPr>
@@ -2902,7 +2902,7 @@
             </a:lvl1pPr>
           </a:lstStyle>
           <a:p>
-            <a:fld id="{A9244472-95C8-4F95-B046-DCE989FD891B}" type="datetimeFigureOut">
+            <a:fld id="{D6FF1504-FC39-4EE2-AADC-B547CCDA0A15}" type="datetimeFigureOut">
               <a:rPr lang="zh-CN" altLang="en-US" smtClean="0"/>
               <a:t>2024/3/10</a:t>
             </a:fld>
@@ -2915,7 +2915,7 @@
           <p:cNvPr id="5" name="页脚占位符 4">
             <a:extLst>
               <a:ext uri="{FF2B5EF4-FFF2-40B4-BE49-F238E27FC236}">
-                <a16:creationId xmlns:a16="http://schemas.microsoft.com/office/drawing/2014/main" id="{14149219-791A-5701-0667-7A85FEF740C0}"/>
+                <a16:creationId xmlns:a16="http://schemas.microsoft.com/office/drawing/2014/main" id="{82EF400D-783A-4415-5DC9-36AD69E836D1}"/>
               </a:ext>
             </a:extLst>
           </p:cNvPr>
@@ -2958,7 +2958,7 @@
           <p:cNvPr id="6" name="灯片编号占位符 5">
             <a:extLst>
               <a:ext uri="{FF2B5EF4-FFF2-40B4-BE49-F238E27FC236}">
-                <a16:creationId xmlns:a16="http://schemas.microsoft.com/office/drawing/2014/main" id="{F137BD5A-BE08-3F7A-0E4E-8307CF8AB864}"/>
+                <a16:creationId xmlns:a16="http://schemas.microsoft.com/office/drawing/2014/main" id="{23B052B0-2752-949D-36FA-511A9F06202F}"/>
               </a:ext>
             </a:extLst>
           </p:cNvPr>
@@ -2992,7 +2992,7 @@
             </a:lvl1pPr>
           </a:lstStyle>
           <a:p>
-            <a:fld id="{399213FC-A373-466B-AB63-56DBFE17B56E}" type="slidenum">
+            <a:fld id="{C5DAA299-E7A9-4EA6-86D4-4BB2D96E8A49}" type="slidenum">
               <a:rPr lang="zh-CN" altLang="en-US" smtClean="0"/>
               <a:t>‹#›</a:t>
             </a:fld>
@@ -3003,7 +3003,7 @@
     </p:spTree>
     <p:extLst>
       <p:ext uri="{BB962C8B-B14F-4D97-AF65-F5344CB8AC3E}">
-        <p14:creationId xmlns:p14="http://schemas.microsoft.com/office/powerpoint/2010/main" val="1909886291"/>
+        <p14:creationId xmlns:p14="http://schemas.microsoft.com/office/powerpoint/2010/main" val="1217846579"/>
       </p:ext>
     </p:extLst>
   </p:cSld>
